--- a/Introduction.pptx
+++ b/Introduction.pptx
@@ -5,7 +5,7 @@
     <p:sldMasterId id="2147483828" r:id="rId1"/>
   </p:sldMasterIdLst>
   <p:notesMasterIdLst>
-    <p:notesMasterId r:id="rId12"/>
+    <p:notesMasterId r:id="rId10"/>
   </p:notesMasterIdLst>
   <p:sldIdLst>
     <p:sldId id="257" r:id="rId2"/>
@@ -16,11 +16,22 @@
     <p:sldId id="298" r:id="rId7"/>
     <p:sldId id="297" r:id="rId8"/>
     <p:sldId id="299" r:id="rId9"/>
-    <p:sldId id="283" r:id="rId10"/>
-    <p:sldId id="265" r:id="rId11"/>
   </p:sldIdLst>
   <p:sldSz cx="9144000" cy="6858000" type="screen4x3"/>
   <p:notesSz cx="6858000" cy="9144000"/>
+  <p:custShowLst>
+    <p:custShow name="PreMeeting" id="0">
+      <p:sldLst>
+        <p:sld r:id="rId2"/>
+        <p:sld r:id="rId4"/>
+        <p:sld r:id="rId5"/>
+        <p:sld r:id="rId6"/>
+        <p:sld r:id="rId7"/>
+        <p:sld r:id="rId8"/>
+        <p:sld r:id="rId9"/>
+      </p:sldLst>
+    </p:custShow>
+  </p:custShowLst>
   <p:defaultTextStyle>
     <a:defPPr>
       <a:defRPr lang="en-US"/>
@@ -202,7 +213,7 @@
             <a:fld id="{235C0CDE-A2E1-437E-92DD-C5A4EBC43560}" type="datetimeFigureOut">
               <a:rPr lang="en-US" smtClean="0"/>
               <a:pPr/>
-              <a:t>6/15/2010</a:t>
+              <a:t>6/21/2010</a:t>
             </a:fld>
             <a:endParaRPr lang="en-US"/>
           </a:p>
@@ -473,88 +484,6 @@
 </p:notesMaster>
 </file>
 
-<file path=ppt/notesSlides/notesSlide1.xml><?xml version="1.0" encoding="utf-8"?>
-<p:notes xmlns:a="http://schemas.openxmlformats.org/drawingml/2006/main" xmlns:r="http://schemas.openxmlformats.org/officeDocument/2006/relationships" xmlns:p="http://schemas.openxmlformats.org/presentationml/2006/main">
-  <p:cSld>
-    <p:spTree>
-      <p:nvGrpSpPr>
-        <p:cNvPr id="1" name=""/>
-        <p:cNvGrpSpPr/>
-        <p:nvPr/>
-      </p:nvGrpSpPr>
-      <p:grpSpPr>
-        <a:xfrm>
-          <a:off x="0" y="0"/>
-          <a:ext cx="0" cy="0"/>
-          <a:chOff x="0" y="0"/>
-          <a:chExt cx="0" cy="0"/>
-        </a:xfrm>
-      </p:grpSpPr>
-      <p:sp>
-        <p:nvSpPr>
-          <p:cNvPr id="2" name="Slide Image Placeholder 1"/>
-          <p:cNvSpPr>
-            <a:spLocks noGrp="1" noRot="1" noChangeAspect="1"/>
-          </p:cNvSpPr>
-          <p:nvPr>
-            <p:ph type="sldImg"/>
-          </p:nvPr>
-        </p:nvSpPr>
-        <p:spPr/>
-      </p:sp>
-      <p:sp>
-        <p:nvSpPr>
-          <p:cNvPr id="3" name="Notes Placeholder 2"/>
-          <p:cNvSpPr>
-            <a:spLocks noGrp="1"/>
-          </p:cNvSpPr>
-          <p:nvPr>
-            <p:ph type="body" idx="1"/>
-          </p:nvPr>
-        </p:nvSpPr>
-        <p:spPr/>
-        <p:txBody>
-          <a:bodyPr>
-            <a:normAutofit/>
-          </a:bodyPr>
-          <a:lstStyle/>
-          <a:p>
-            <a:endParaRPr lang="en-US" dirty="0"/>
-          </a:p>
-        </p:txBody>
-      </p:sp>
-      <p:sp>
-        <p:nvSpPr>
-          <p:cNvPr id="4" name="Slide Number Placeholder 3"/>
-          <p:cNvSpPr>
-            <a:spLocks noGrp="1"/>
-          </p:cNvSpPr>
-          <p:nvPr>
-            <p:ph type="sldNum" sz="quarter" idx="10"/>
-          </p:nvPr>
-        </p:nvSpPr>
-        <p:spPr/>
-        <p:txBody>
-          <a:bodyPr/>
-          <a:lstStyle/>
-          <a:p>
-            <a:fld id="{7C397D20-BC12-41C9-8E1B-A664241C2980}" type="slidenum">
-              <a:rPr lang="en-US" smtClean="0"/>
-              <a:pPr/>
-              <a:t>9</a:t>
-            </a:fld>
-            <a:endParaRPr lang="en-US"/>
-          </a:p>
-        </p:txBody>
-      </p:sp>
-    </p:spTree>
-  </p:cSld>
-  <p:clrMapOvr>
-    <a:masterClrMapping/>
-  </p:clrMapOvr>
-</p:notes>
-</file>
-
 <file path=ppt/slideLayouts/slideLayout1.xml><?xml version="1.0" encoding="utf-8"?>
 <p:sldLayout xmlns:a="http://schemas.openxmlformats.org/drawingml/2006/main" xmlns:r="http://schemas.openxmlformats.org/officeDocument/2006/relationships" xmlns:p="http://schemas.openxmlformats.org/presentationml/2006/main" showMasterSp="0" type="title" preserve="1">
   <p:cSld name="Title Slide">
@@ -804,7 +733,7 @@
             <a:fld id="{0F5C3293-A077-4462-AE27-1B10B3D03231}" type="datetimeFigureOut">
               <a:rPr lang="en-US" smtClean="0"/>
               <a:pPr/>
-              <a:t>6/15/2010</a:t>
+              <a:t>6/21/2010</a:t>
             </a:fld>
             <a:endParaRPr lang="en-US"/>
           </a:p>
@@ -1039,7 +968,7 @@
             <a:fld id="{0F5C3293-A077-4462-AE27-1B10B3D03231}" type="datetimeFigureOut">
               <a:rPr lang="en-US" smtClean="0"/>
               <a:pPr/>
-              <a:t>6/15/2010</a:t>
+              <a:t>6/21/2010</a:t>
             </a:fld>
             <a:endParaRPr lang="en-US"/>
           </a:p>
@@ -1331,7 +1260,7 @@
             <a:fld id="{0F5C3293-A077-4462-AE27-1B10B3D03231}" type="datetimeFigureOut">
               <a:rPr lang="en-US" smtClean="0"/>
               <a:pPr/>
-              <a:t>6/15/2010</a:t>
+              <a:t>6/21/2010</a:t>
             </a:fld>
             <a:endParaRPr lang="en-US"/>
           </a:p>
@@ -1522,7 +1451,7 @@
             <a:fld id="{0F5C3293-A077-4462-AE27-1B10B3D03231}" type="datetimeFigureOut">
               <a:rPr lang="en-US" smtClean="0"/>
               <a:pPr/>
-              <a:t>6/15/2010</a:t>
+              <a:t>6/21/2010</a:t>
             </a:fld>
             <a:endParaRPr lang="en-US"/>
           </a:p>
@@ -1892,7 +1821,7 @@
             <a:fld id="{0F5C3293-A077-4462-AE27-1B10B3D03231}" type="datetimeFigureOut">
               <a:rPr lang="en-US" smtClean="0"/>
               <a:pPr/>
-              <a:t>6/15/2010</a:t>
+              <a:t>6/21/2010</a:t>
             </a:fld>
             <a:endParaRPr lang="en-US"/>
           </a:p>
@@ -2191,7 +2120,7 @@
             <a:fld id="{0F5C3293-A077-4462-AE27-1B10B3D03231}" type="datetimeFigureOut">
               <a:rPr lang="en-US" smtClean="0"/>
               <a:pPr/>
-              <a:t>6/15/2010</a:t>
+              <a:t>6/21/2010</a:t>
             </a:fld>
             <a:endParaRPr lang="en-US"/>
           </a:p>
@@ -2625,7 +2554,7 @@
             <a:fld id="{0F5C3293-A077-4462-AE27-1B10B3D03231}" type="datetimeFigureOut">
               <a:rPr lang="en-US" smtClean="0"/>
               <a:pPr/>
-              <a:t>6/15/2010</a:t>
+              <a:t>6/21/2010</a:t>
             </a:fld>
             <a:endParaRPr lang="en-US"/>
           </a:p>
@@ -2752,7 +2681,7 @@
             <a:fld id="{0F5C3293-A077-4462-AE27-1B10B3D03231}" type="datetimeFigureOut">
               <a:rPr lang="en-US" smtClean="0"/>
               <a:pPr/>
-              <a:t>6/15/2010</a:t>
+              <a:t>6/21/2010</a:t>
             </a:fld>
             <a:endParaRPr lang="en-US"/>
           </a:p>
@@ -2854,7 +2783,7 @@
             <a:fld id="{0F5C3293-A077-4462-AE27-1B10B3D03231}" type="datetimeFigureOut">
               <a:rPr lang="en-US" smtClean="0"/>
               <a:pPr/>
-              <a:t>6/15/2010</a:t>
+              <a:t>6/21/2010</a:t>
             </a:fld>
             <a:endParaRPr lang="en-US"/>
           </a:p>
@@ -3144,7 +3073,7 @@
             <a:fld id="{0F5C3293-A077-4462-AE27-1B10B3D03231}" type="datetimeFigureOut">
               <a:rPr lang="en-US" smtClean="0"/>
               <a:pPr/>
-              <a:t>6/15/2010</a:t>
+              <a:t>6/21/2010</a:t>
             </a:fld>
             <a:endParaRPr lang="en-US"/>
           </a:p>
@@ -3522,7 +3451,7 @@
             <a:fld id="{0F5C3293-A077-4462-AE27-1B10B3D03231}" type="datetimeFigureOut">
               <a:rPr lang="en-US" smtClean="0"/>
               <a:pPr/>
-              <a:t>6/15/2010</a:t>
+              <a:t>6/21/2010</a:t>
             </a:fld>
             <a:endParaRPr lang="en-US"/>
           </a:p>
@@ -3971,7 +3900,7 @@
             <a:fld id="{0F5C3293-A077-4462-AE27-1B10B3D03231}" type="datetimeFigureOut">
               <a:rPr lang="en-US" smtClean="0"/>
               <a:pPr/>
-              <a:t>6/15/2010</a:t>
+              <a:t>6/21/2010</a:t>
             </a:fld>
             <a:endParaRPr lang="en-US"/>
           </a:p>
@@ -4465,189 +4394,6 @@
 </p:sld>
 </file>
 
-<file path=ppt/slides/slide10.xml><?xml version="1.0" encoding="utf-8"?>
-<p:sld xmlns:a="http://schemas.openxmlformats.org/drawingml/2006/main" xmlns:r="http://schemas.openxmlformats.org/officeDocument/2006/relationships" xmlns:p="http://schemas.openxmlformats.org/presentationml/2006/main" show="0">
-  <p:cSld>
-    <p:spTree>
-      <p:nvGrpSpPr>
-        <p:cNvPr id="1" name=""/>
-        <p:cNvGrpSpPr/>
-        <p:nvPr/>
-      </p:nvGrpSpPr>
-      <p:grpSpPr>
-        <a:xfrm>
-          <a:off x="0" y="0"/>
-          <a:ext cx="0" cy="0"/>
-          <a:chOff x="0" y="0"/>
-          <a:chExt cx="0" cy="0"/>
-        </a:xfrm>
-      </p:grpSpPr>
-      <p:sp>
-        <p:nvSpPr>
-          <p:cNvPr id="3" name="Subtitle 2"/>
-          <p:cNvSpPr>
-            <a:spLocks noGrp="1"/>
-          </p:cNvSpPr>
-          <p:nvPr>
-            <p:ph type="subTitle" idx="1"/>
-          </p:nvPr>
-        </p:nvSpPr>
-        <p:spPr>
-          <a:xfrm>
-            <a:off x="457200" y="1828800"/>
-            <a:ext cx="8229600" cy="2982511"/>
-          </a:xfrm>
-        </p:spPr>
-        <p:txBody>
-          <a:bodyPr>
-            <a:normAutofit/>
-          </a:bodyPr>
-          <a:lstStyle/>
-          <a:p>
-            <a:pPr algn="ctr"/>
-            <a:r>
-              <a:rPr lang="en-US" dirty="0" smtClean="0"/>
-              <a:t>We need YOUR support!</a:t>
-            </a:r>
-          </a:p>
-          <a:p>
-            <a:pPr algn="ctr"/>
-            <a:endParaRPr lang="en-US" dirty="0" smtClean="0"/>
-          </a:p>
-          <a:p>
-            <a:pPr algn="ctr"/>
-            <a:r>
-              <a:rPr lang="en-US" dirty="0" smtClean="0"/>
-              <a:t>Administrative Indy ALT.NET meeting next Thursday at 6pm at Scotty’s </a:t>
-            </a:r>
-            <a:r>
-              <a:rPr lang="en-US" dirty="0" err="1" smtClean="0"/>
-              <a:t>Brewhouse</a:t>
-            </a:r>
-            <a:r>
-              <a:rPr lang="en-US" dirty="0" smtClean="0"/>
-              <a:t> (Keystone/96</a:t>
-            </a:r>
-            <a:r>
-              <a:rPr lang="en-US" baseline="30000" dirty="0" smtClean="0"/>
-              <a:t>th</a:t>
-            </a:r>
-            <a:r>
-              <a:rPr lang="en-US" dirty="0" smtClean="0"/>
-              <a:t>)</a:t>
-            </a:r>
-          </a:p>
-          <a:p>
-            <a:pPr algn="ctr"/>
-            <a:endParaRPr lang="en-US" dirty="0" smtClean="0"/>
-          </a:p>
-          <a:p>
-            <a:pPr algn="ctr"/>
-            <a:r>
-              <a:rPr lang="en-US" dirty="0" smtClean="0"/>
-              <a:t>Email Info@IndyALT.NET</a:t>
-            </a:r>
-          </a:p>
-          <a:p>
-            <a:pPr algn="ctr"/>
-            <a:r>
-              <a:rPr lang="en-US" dirty="0" smtClean="0"/>
-              <a:t>For more info if you want to help!</a:t>
-            </a:r>
-          </a:p>
-        </p:txBody>
-      </p:sp>
-      <p:sp>
-        <p:nvSpPr>
-          <p:cNvPr id="7" name="Title 1"/>
-          <p:cNvSpPr txBox="1">
-            <a:spLocks/>
-          </p:cNvSpPr>
-          <p:nvPr/>
-        </p:nvSpPr>
-        <p:spPr>
-          <a:xfrm>
-            <a:off x="381000" y="304800"/>
-            <a:ext cx="8382000" cy="914400"/>
-          </a:xfrm>
-          <a:prstGeom prst="rect">
-            <a:avLst/>
-          </a:prstGeom>
-        </p:spPr>
-        <p:txBody>
-          <a:bodyPr vert="horz" anchor="ctr">
-            <a:normAutofit/>
-            <a:scene3d>
-              <a:camera prst="orthographicFront"/>
-              <a:lightRig rig="soft" dir="t"/>
-            </a:scene3d>
-            <a:sp3d prstMaterial="softEdge">
-              <a:bevelT w="25400" h="25400"/>
-            </a:sp3d>
-          </a:bodyPr>
-          <a:lstStyle/>
-          <a:p>
-            <a:pPr marL="0" marR="0" lvl="0" indent="0" algn="ctr" defTabSz="914400" rtl="0" eaLnBrk="1" fontAlgn="auto" latinLnBrk="0" hangingPunct="1">
-              <a:lnSpc>
-                <a:spcPct val="100000"/>
-              </a:lnSpc>
-              <a:spcBef>
-                <a:spcPct val="0"/>
-              </a:spcBef>
-              <a:spcAft>
-                <a:spcPts val="0"/>
-              </a:spcAft>
-              <a:buClrTx/>
-              <a:buSzTx/>
-              <a:buFontTx/>
-              <a:buNone/>
-              <a:tabLst/>
-              <a:defRPr/>
-            </a:pPr>
-            <a:r>
-              <a:rPr kumimoji="0" lang="en-US" sz="4800" b="1" i="0" u="none" strike="noStrike" kern="1200" cap="none" spc="0" normalizeH="0" baseline="0" noProof="0" dirty="0" smtClean="0">
-                <a:ln>
-                  <a:noFill/>
-                </a:ln>
-                <a:solidFill>
-                  <a:schemeClr val="tx2"/>
-                </a:solidFill>
-                <a:effectLst>
-                  <a:outerShdw blurRad="31750" dist="25400" dir="5400000" algn="tl" rotWithShape="0">
-                    <a:srgbClr val="000000">
-                      <a:alpha val="25000"/>
-                    </a:srgbClr>
-                  </a:outerShdw>
-                </a:effectLst>
-                <a:uLnTx/>
-                <a:uFillTx/>
-                <a:latin typeface="+mj-lt"/>
-                <a:ea typeface="+mj-ea"/>
-                <a:cs typeface="+mj-cs"/>
-              </a:rPr>
-              <a:t>Indy ALT.NET</a:t>
-            </a:r>
-          </a:p>
-        </p:txBody>
-      </p:sp>
-    </p:spTree>
-  </p:cSld>
-  <p:clrMapOvr>
-    <a:masterClrMapping/>
-  </p:clrMapOvr>
-  <p:transition advTm="0">
-    <p:fade/>
-  </p:transition>
-  <p:timing>
-    <p:tnLst>
-      <p:par>
-        <p:cTn id="1" dur="indefinite" restart="never" nodeType="tmRoot"/>
-      </p:par>
-    </p:tnLst>
-  </p:timing>
-</p:sld>
-</file>
-
 <file path=ppt/slides/slide2.xml><?xml version="1.0" encoding="utf-8"?>
 <p:sld xmlns:a="http://schemas.openxmlformats.org/drawingml/2006/main" xmlns:r="http://schemas.openxmlformats.org/officeDocument/2006/relationships" xmlns:p="http://schemas.openxmlformats.org/presentationml/2006/main">
   <p:cSld>
@@ -5309,7 +5055,6 @@
               <a:rPr lang="en-US" sz="2400" dirty="0" smtClean="0"/>
               <a:t>www.JetBrains.com</a:t>
             </a:r>
-            <a:endParaRPr lang="en-US" sz="2400" dirty="0" smtClean="0"/>
           </a:p>
           <a:p>
             <a:pPr algn="ctr"/>
@@ -5337,7 +5082,6 @@
               <a:rPr lang="en-US" sz="2400" dirty="0" smtClean="0"/>
               <a:t>	www.AuriGroup.com</a:t>
             </a:r>
-            <a:endParaRPr lang="en-US" sz="2400" dirty="0" smtClean="0"/>
           </a:p>
           <a:p>
             <a:r>
@@ -5517,11 +5261,7 @@
             <a:pPr algn="l"/>
             <a:r>
               <a:rPr lang="en-US" sz="2400" b="1" u="sng" dirty="0" smtClean="0"/>
-              <a:t>Pearson </a:t>
-            </a:r>
-            <a:r>
-              <a:rPr lang="en-US" sz="2400" b="1" u="sng" dirty="0" smtClean="0"/>
-              <a:t>Higher Education</a:t>
+              <a:t>Pearson Higher Education</a:t>
             </a:r>
           </a:p>
           <a:p>
@@ -5856,8 +5596,9 @@
               <a:pPr algn="ctr"/>
               <a:r>
                 <a:rPr lang="en-US" dirty="0" smtClean="0"/>
-                <a:t>July 8</a:t>
+                <a:t>August 12</a:t>
               </a:r>
+              <a:endParaRPr lang="en-US" dirty="0" smtClean="0"/>
             </a:p>
             <a:p>
               <a:pPr algn="ctr"/>
@@ -5933,8 +5674,9 @@
               <a:pPr algn="ctr"/>
               <a:r>
                 <a:rPr lang="en-US" dirty="0" smtClean="0"/>
-                <a:t>July 15</a:t>
+                <a:t>August 19</a:t>
               </a:r>
+              <a:endParaRPr lang="en-US" dirty="0" smtClean="0"/>
             </a:p>
             <a:p>
               <a:pPr algn="ctr"/>
@@ -6010,8 +5752,9 @@
               <a:pPr algn="ctr"/>
               <a:r>
                 <a:rPr lang="en-US" dirty="0" smtClean="0"/>
-                <a:t>July 20</a:t>
+                <a:t>August 17</a:t>
               </a:r>
+              <a:endParaRPr lang="en-US" dirty="0" smtClean="0"/>
             </a:p>
             <a:p>
               <a:pPr algn="ctr"/>
@@ -6087,8 +5830,9 @@
               <a:pPr algn="ctr"/>
               <a:r>
                 <a:rPr lang="en-US" dirty="0" smtClean="0"/>
-                <a:t>July 14</a:t>
+                <a:t>August 11</a:t>
               </a:r>
+              <a:endParaRPr lang="en-US" dirty="0" smtClean="0"/>
             </a:p>
             <a:p>
               <a:pPr algn="ctr"/>
@@ -6322,11 +6066,8 @@
           <a:p>
             <a:r>
               <a:rPr lang="en-US" dirty="0" smtClean="0"/>
-              <a:t>TDD Dojo</a:t>
-            </a:r>
-            <a:br>
-              <a:rPr lang="en-US" dirty="0" smtClean="0"/>
-            </a:br>
+              <a:t>Deliberate Practice</a:t>
+            </a:r>
             <a:endParaRPr lang="en-US" sz="3600" dirty="0"/>
           </a:p>
         </p:txBody>
@@ -6348,11 +6089,15 @@
           <a:p>
             <a:r>
               <a:rPr lang="en-US" dirty="0" smtClean="0"/>
-              <a:t>Moderated by @</a:t>
+              <a:t>Presented by @</a:t>
             </a:r>
             <a:r>
               <a:rPr lang="en-US" dirty="0" err="1" smtClean="0"/>
-              <a:t>skimedic</a:t>
+              <a:t>myotherpants</a:t>
+            </a:r>
+            <a:r>
+              <a:rPr lang="en-US" dirty="0" smtClean="0"/>
+              <a:t> (Brian Ball)</a:t>
             </a:r>
             <a:endParaRPr lang="en-US" dirty="0"/>
           </a:p>
@@ -6411,17 +6156,13 @@
         <p:spPr/>
         <p:txBody>
           <a:bodyPr>
-            <a:normAutofit fontScale="90000"/>
+            <a:normAutofit/>
           </a:bodyPr>
           <a:lstStyle/>
           <a:p>
             <a:r>
               <a:rPr lang="en-US" dirty="0" smtClean="0"/>
-              <a:t>Next Month: Deliberate Practice</a:t>
-            </a:r>
-            <a:r>
-              <a:rPr lang="en-US" dirty="0" smtClean="0"/>
-              <a:t/>
+              <a:t>Next Month: </a:t>
             </a:r>
             <a:br>
               <a:rPr lang="en-US" dirty="0" smtClean="0"/>
@@ -6447,15 +6188,11 @@
           <a:p>
             <a:r>
               <a:rPr lang="en-US" dirty="0" smtClean="0"/>
-              <a:t>Presented by @</a:t>
-            </a:r>
-            <a:r>
-              <a:rPr lang="en-US" dirty="0" err="1" smtClean="0"/>
-              <a:t>myotherpants</a:t>
+              <a:t>Presented </a:t>
             </a:r>
             <a:r>
               <a:rPr lang="en-US" dirty="0" smtClean="0"/>
-              <a:t> (Brian Ball)</a:t>
+              <a:t>by</a:t>
             </a:r>
             <a:endParaRPr lang="en-US" dirty="0"/>
           </a:p>
@@ -6472,249 +6209,6 @@
     <a:masterClrMapping/>
   </p:clrMapOvr>
   <p:transition advTm="15000">
-    <p:fade/>
-  </p:transition>
-  <p:timing>
-    <p:tnLst>
-      <p:par>
-        <p:cTn id="1" dur="indefinite" restart="never" nodeType="tmRoot"/>
-      </p:par>
-    </p:tnLst>
-  </p:timing>
-</p:sld>
-</file>
-
-<file path=ppt/slides/slide9.xml><?xml version="1.0" encoding="utf-8"?>
-<p:sld xmlns:a="http://schemas.openxmlformats.org/drawingml/2006/main" xmlns:r="http://schemas.openxmlformats.org/officeDocument/2006/relationships" xmlns:p="http://schemas.openxmlformats.org/presentationml/2006/main" show="0">
-  <p:cSld>
-    <p:spTree>
-      <p:nvGrpSpPr>
-        <p:cNvPr id="1" name=""/>
-        <p:cNvGrpSpPr/>
-        <p:nvPr/>
-      </p:nvGrpSpPr>
-      <p:grpSpPr>
-        <a:xfrm>
-          <a:off x="0" y="0"/>
-          <a:ext cx="0" cy="0"/>
-          <a:chOff x="0" y="0"/>
-          <a:chExt cx="0" cy="0"/>
-        </a:xfrm>
-      </p:grpSpPr>
-      <p:sp>
-        <p:nvSpPr>
-          <p:cNvPr id="3" name="Subtitle 2"/>
-          <p:cNvSpPr>
-            <a:spLocks noGrp="1"/>
-          </p:cNvSpPr>
-          <p:nvPr>
-            <p:ph type="subTitle" idx="1"/>
-          </p:nvPr>
-        </p:nvSpPr>
-        <p:spPr>
-          <a:xfrm>
-            <a:off x="304800" y="1219200"/>
-            <a:ext cx="8534400" cy="3592111"/>
-          </a:xfrm>
-        </p:spPr>
-        <p:txBody>
-          <a:bodyPr>
-            <a:normAutofit/>
-          </a:bodyPr>
-          <a:lstStyle/>
-          <a:p>
-            <a:pPr algn="l"/>
-            <a:r>
-              <a:rPr lang="en-US" dirty="0" smtClean="0"/>
-              <a:t>A synonym for “Open Spaces” is “</a:t>
-            </a:r>
-            <a:r>
-              <a:rPr lang="en-US" dirty="0" err="1" smtClean="0"/>
-              <a:t>Unconference</a:t>
-            </a:r>
-            <a:r>
-              <a:rPr lang="en-US" dirty="0" smtClean="0"/>
-              <a:t>.” The idea is that nobody knows better what is best to discuss than the people who are here. The </a:t>
-            </a:r>
-            <a:r>
-              <a:rPr lang="en-US" dirty="0" err="1" smtClean="0"/>
-              <a:t>underyling</a:t>
-            </a:r>
-            <a:r>
-              <a:rPr lang="en-US" dirty="0" smtClean="0"/>
-              <a:t> themes to an Open Space are:</a:t>
-            </a:r>
-          </a:p>
-          <a:p>
-            <a:pPr algn="l"/>
-            <a:r>
-              <a:rPr lang="en-US" dirty="0" smtClean="0"/>
-              <a:t>- Whoever comes are the right people</a:t>
-            </a:r>
-          </a:p>
-          <a:p>
-            <a:pPr algn="l"/>
-            <a:r>
-              <a:rPr lang="en-US" dirty="0" smtClean="0"/>
-              <a:t>- Whatever happens is the only thing that could have</a:t>
-            </a:r>
-          </a:p>
-          <a:p>
-            <a:pPr algn="l"/>
-            <a:r>
-              <a:rPr lang="en-US" dirty="0" smtClean="0"/>
-              <a:t>- Whenever it starts is the right time</a:t>
-            </a:r>
-          </a:p>
-          <a:p>
-            <a:pPr algn="l"/>
-            <a:r>
-              <a:rPr lang="en-US" dirty="0" smtClean="0"/>
-              <a:t>- When it's over, it's over</a:t>
-            </a:r>
-          </a:p>
-        </p:txBody>
-      </p:sp>
-      <p:sp>
-        <p:nvSpPr>
-          <p:cNvPr id="7" name="Title 1"/>
-          <p:cNvSpPr txBox="1">
-            <a:spLocks/>
-          </p:cNvSpPr>
-          <p:nvPr/>
-        </p:nvSpPr>
-        <p:spPr>
-          <a:xfrm>
-            <a:off x="381000" y="304800"/>
-            <a:ext cx="8382000" cy="914400"/>
-          </a:xfrm>
-          <a:prstGeom prst="rect">
-            <a:avLst/>
-          </a:prstGeom>
-        </p:spPr>
-        <p:txBody>
-          <a:bodyPr vert="horz" anchor="ctr">
-            <a:normAutofit/>
-            <a:scene3d>
-              <a:camera prst="orthographicFront"/>
-              <a:lightRig rig="soft" dir="t"/>
-            </a:scene3d>
-            <a:sp3d prstMaterial="softEdge">
-              <a:bevelT w="25400" h="25400"/>
-            </a:sp3d>
-          </a:bodyPr>
-          <a:lstStyle/>
-          <a:p>
-            <a:pPr marL="0" marR="0" lvl="0" indent="0" algn="ctr" defTabSz="914400" rtl="0" eaLnBrk="1" fontAlgn="auto" latinLnBrk="0" hangingPunct="1">
-              <a:lnSpc>
-                <a:spcPct val="100000"/>
-              </a:lnSpc>
-              <a:spcBef>
-                <a:spcPct val="0"/>
-              </a:spcBef>
-              <a:spcAft>
-                <a:spcPts val="0"/>
-              </a:spcAft>
-              <a:buClrTx/>
-              <a:buSzTx/>
-              <a:buFontTx/>
-              <a:buNone/>
-              <a:tabLst/>
-              <a:defRPr/>
-            </a:pPr>
-            <a:r>
-              <a:rPr kumimoji="0" lang="en-US" sz="4800" b="1" i="0" u="none" strike="noStrike" kern="1200" cap="none" spc="0" normalizeH="0" baseline="0" noProof="0" dirty="0" smtClean="0">
-                <a:ln>
-                  <a:noFill/>
-                </a:ln>
-                <a:solidFill>
-                  <a:schemeClr val="tx2"/>
-                </a:solidFill>
-                <a:effectLst>
-                  <a:outerShdw blurRad="31750" dist="25400" dir="5400000" algn="tl" rotWithShape="0">
-                    <a:srgbClr val="000000">
-                      <a:alpha val="25000"/>
-                    </a:srgbClr>
-                  </a:outerShdw>
-                </a:effectLst>
-                <a:uLnTx/>
-                <a:uFillTx/>
-                <a:latin typeface="+mj-lt"/>
-                <a:ea typeface="+mj-ea"/>
-                <a:cs typeface="+mj-cs"/>
-              </a:rPr>
-              <a:t>What </a:t>
-            </a:r>
-            <a:r>
-              <a:rPr lang="en-US" sz="4800" b="1" dirty="0" smtClean="0">
-                <a:solidFill>
-                  <a:schemeClr val="tx2"/>
-                </a:solidFill>
-                <a:effectLst>
-                  <a:outerShdw blurRad="31750" dist="25400" dir="5400000" algn="tl" rotWithShape="0">
-                    <a:srgbClr val="000000">
-                      <a:alpha val="25000"/>
-                    </a:srgbClr>
-                  </a:outerShdw>
-                </a:effectLst>
-                <a:latin typeface="+mj-lt"/>
-                <a:ea typeface="+mj-ea"/>
-                <a:cs typeface="+mj-cs"/>
-              </a:rPr>
-              <a:t>is Open Spaces</a:t>
-            </a:r>
-            <a:r>
-              <a:rPr kumimoji="0" lang="en-US" sz="4800" b="1" i="0" u="none" strike="noStrike" kern="1200" cap="none" spc="0" normalizeH="0" baseline="0" noProof="0" dirty="0" smtClean="0">
-                <a:ln>
-                  <a:noFill/>
-                </a:ln>
-                <a:solidFill>
-                  <a:schemeClr val="tx2"/>
-                </a:solidFill>
-                <a:effectLst>
-                  <a:outerShdw blurRad="31750" dist="25400" dir="5400000" algn="tl" rotWithShape="0">
-                    <a:srgbClr val="000000">
-                      <a:alpha val="25000"/>
-                    </a:srgbClr>
-                  </a:outerShdw>
-                </a:effectLst>
-                <a:uLnTx/>
-                <a:uFillTx/>
-                <a:latin typeface="+mj-lt"/>
-                <a:ea typeface="+mj-ea"/>
-                <a:cs typeface="+mj-cs"/>
-              </a:rPr>
-              <a:t>?</a:t>
-            </a:r>
-            <a:endParaRPr kumimoji="0" lang="en-US" sz="4800" b="1" i="0" u="none" strike="noStrike" kern="1200" cap="none" spc="0" normalizeH="0" baseline="0" noProof="0" dirty="0">
-              <a:ln>
-                <a:noFill/>
-              </a:ln>
-              <a:solidFill>
-                <a:schemeClr val="tx2"/>
-              </a:solidFill>
-              <a:effectLst>
-                <a:outerShdw blurRad="31750" dist="25400" dir="5400000" algn="tl" rotWithShape="0">
-                  <a:srgbClr val="000000">
-                    <a:alpha val="25000"/>
-                  </a:srgbClr>
-                </a:outerShdw>
-              </a:effectLst>
-              <a:uLnTx/>
-              <a:uFillTx/>
-              <a:latin typeface="+mj-lt"/>
-              <a:ea typeface="+mj-ea"/>
-              <a:cs typeface="+mj-cs"/>
-            </a:endParaRPr>
-          </a:p>
-        </p:txBody>
-      </p:sp>
-    </p:spTree>
-  </p:cSld>
-  <p:clrMapOvr>
-    <a:masterClrMapping/>
-  </p:clrMapOvr>
-  <p:transition advTm="0">
     <p:fade/>
   </p:transition>
   <p:timing>
